--- a/find-my-fruit_project1_HunterKatie.pptx
+++ b/find-my-fruit_project1_HunterKatie.pptx
@@ -2893,7 +2893,7 @@
           <a:p>
             <a:fld id="{F6DE8062-C617-49C5-8F0E-9D596CCC19D6}" type="datetimeFigureOut">
               <a:rPr lang="en-US" smtClean="0"/>
-              <a:t>10/2/2022</a:t>
+              <a:t>10/3/2022</a:t>
             </a:fld>
             <a:endParaRPr lang="en-US"/>
           </a:p>
@@ -4362,7 +4362,7 @@
           <a:p>
             <a:fld id="{F6DE8062-C617-49C5-8F0E-9D596CCC19D6}" type="datetimeFigureOut">
               <a:rPr lang="en-US" smtClean="0"/>
-              <a:t>10/2/2022</a:t>
+              <a:t>10/3/2022</a:t>
             </a:fld>
             <a:endParaRPr lang="en-US"/>
           </a:p>
@@ -5825,7 +5825,7 @@
           <a:p>
             <a:fld id="{F6DE8062-C617-49C5-8F0E-9D596CCC19D6}" type="datetimeFigureOut">
               <a:rPr lang="en-US" smtClean="0"/>
-              <a:t>10/2/2022</a:t>
+              <a:t>10/3/2022</a:t>
             </a:fld>
             <a:endParaRPr lang="en-US"/>
           </a:p>
@@ -7895,7 +7895,7 @@
           <a:p>
             <a:fld id="{F6DE8062-C617-49C5-8F0E-9D596CCC19D6}" type="datetimeFigureOut">
               <a:rPr lang="en-US" smtClean="0"/>
-              <a:t>10/2/2022</a:t>
+              <a:t>10/3/2022</a:t>
             </a:fld>
             <a:endParaRPr lang="en-US"/>
           </a:p>
@@ -9413,7 +9413,7 @@
           <a:p>
             <a:fld id="{F6DE8062-C617-49C5-8F0E-9D596CCC19D6}" type="datetimeFigureOut">
               <a:rPr lang="en-US" smtClean="0"/>
-              <a:t>10/2/2022</a:t>
+              <a:t>10/3/2022</a:t>
             </a:fld>
             <a:endParaRPr lang="en-US"/>
           </a:p>
@@ -10944,7 +10944,7 @@
           <a:p>
             <a:fld id="{F6DE8062-C617-49C5-8F0E-9D596CCC19D6}" type="datetimeFigureOut">
               <a:rPr lang="en-US" smtClean="0"/>
-              <a:t>10/2/2022</a:t>
+              <a:t>10/3/2022</a:t>
             </a:fld>
             <a:endParaRPr lang="en-US"/>
           </a:p>
@@ -12619,7 +12619,7 @@
           <a:p>
             <a:fld id="{F6DE8062-C617-49C5-8F0E-9D596CCC19D6}" type="datetimeFigureOut">
               <a:rPr lang="en-US" smtClean="0"/>
-              <a:t>10/2/2022</a:t>
+              <a:t>10/3/2022</a:t>
             </a:fld>
             <a:endParaRPr lang="en-US"/>
           </a:p>
@@ -14027,7 +14027,7 @@
           <a:p>
             <a:fld id="{F6DE8062-C617-49C5-8F0E-9D596CCC19D6}" type="datetimeFigureOut">
               <a:rPr lang="en-US" smtClean="0"/>
-              <a:t>10/2/2022</a:t>
+              <a:t>10/3/2022</a:t>
             </a:fld>
             <a:endParaRPr lang="en-US"/>
           </a:p>
@@ -14137,7 +14137,7 @@
           <a:p>
             <a:fld id="{F6DE8062-C617-49C5-8F0E-9D596CCC19D6}" type="datetimeFigureOut">
               <a:rPr lang="en-US" smtClean="0"/>
-              <a:t>10/2/2022</a:t>
+              <a:t>10/3/2022</a:t>
             </a:fld>
             <a:endParaRPr lang="en-US"/>
           </a:p>
@@ -15672,7 +15672,7 @@
           <a:p>
             <a:fld id="{F6DE8062-C617-49C5-8F0E-9D596CCC19D6}" type="datetimeFigureOut">
               <a:rPr lang="en-US" smtClean="0"/>
-              <a:t>10/2/2022</a:t>
+              <a:t>10/3/2022</a:t>
             </a:fld>
             <a:endParaRPr lang="en-US"/>
           </a:p>
@@ -17218,7 +17218,7 @@
           <a:p>
             <a:fld id="{F6DE8062-C617-49C5-8F0E-9D596CCC19D6}" type="datetimeFigureOut">
               <a:rPr lang="en-US" smtClean="0"/>
-              <a:t>10/2/2022</a:t>
+              <a:t>10/3/2022</a:t>
             </a:fld>
             <a:endParaRPr lang="en-US"/>
           </a:p>
@@ -17451,7 +17451,7 @@
           <a:p>
             <a:fld id="{F6DE8062-C617-49C5-8F0E-9D596CCC19D6}" type="datetimeFigureOut">
               <a:rPr lang="en-US" smtClean="0"/>
-              <a:t>10/2/2022</a:t>
+              <a:t>10/3/2022</a:t>
             </a:fld>
             <a:endParaRPr lang="en-US"/>
           </a:p>
@@ -18008,10 +18008,10 @@
               <a:buNone/>
             </a:pPr>
             <a:r>
-              <a:rPr lang="en"/>
-              <a:t>Elevator pitch</a:t>
+              <a:rPr lang="en" dirty="0"/>
+              <a:t>Why we created Find MY Fruit</a:t>
             </a:r>
-            <a:endParaRPr/>
+            <a:endParaRPr dirty="0"/>
           </a:p>
         </p:txBody>
       </p:sp>
@@ -18157,7 +18157,7 @@
             </a:pPr>
             <a:r>
               <a:rPr lang="en" dirty="0"/>
-              <a:t>AS a connisseur of fruits, I WANT an application that returns nutritional and scientific information about fruits, SO THAT I am knowlegable about the fruits I consume.</a:t>
+              <a:t>AS a connisseur of fruit, I WANT an application that returns nutritional and scientific information about fruits, SO THAT I am knowlegable about the fruits I consume.</a:t>
             </a:r>
             <a:endParaRPr dirty="0"/>
           </a:p>
@@ -18827,19 +18827,19 @@
           </a:bodyPr>
           <a:lstStyle/>
           <a:p>
-            <a:pPr marL="457200" lvl="0" indent="-342900" algn="l" rtl="0">
-              <a:spcBef>
-                <a:spcPts val="0"/>
-              </a:spcBef>
-              <a:spcAft>
-                <a:spcPts val="0"/>
-              </a:spcAft>
-              <a:buSzPts val="1800"/>
-              <a:buChar char="●"/>
-            </a:pPr>
             <a:r>
               <a:rPr lang="en" dirty="0"/>
-              <a:t>Deployed</a:t>
+              <a:t>Deployed: </a:t>
+            </a:r>
+            <a:r>
+              <a:rPr lang="en-US" b="0" dirty="0">
+                <a:solidFill>
+                  <a:srgbClr val="E1EFFF"/>
+                </a:solidFill>
+                <a:effectLst/>
+                <a:latin typeface="Consolas" panose="020B0609020204030204" pitchFamily="49" charset="0"/>
+              </a:rPr>
+              <a:t>https://katiethompson704.github.io/play-with-your-food/</a:t>
             </a:r>
             <a:endParaRPr dirty="0"/>
           </a:p>
@@ -18856,8 +18856,19 @@
             </a:pPr>
             <a:r>
               <a:rPr lang="en" dirty="0"/>
-              <a:t>GitHub repo</a:t>
+              <a:t>GitHub repo:  </a:t>
             </a:r>
+            <a:r>
+              <a:rPr lang="en-US" dirty="0">
+                <a:hlinkClick r:id="rId3"/>
+              </a:rPr>
+              <a:t>https://github.com/KatieThompson704/play-with-your-food</a:t>
+            </a:r>
+            <a:r>
+              <a:rPr lang="en-US" dirty="0"/>
+              <a:t> </a:t>
+            </a:r>
+            <a:endParaRPr lang="en" dirty="0"/>
           </a:p>
           <a:p>
             <a:pPr marL="457200" lvl="0" indent="-342900" algn="l" rtl="0">

--- a/find-my-fruit_project1_HunterKatie.pptx
+++ b/find-my-fruit_project1_HunterKatie.pptx
@@ -18832,12 +18832,8 @@
               <a:t>Deployed: </a:t>
             </a:r>
             <a:r>
-              <a:rPr lang="en-US" b="0" dirty="0">
-                <a:solidFill>
-                  <a:srgbClr val="E1EFFF"/>
-                </a:solidFill>
-                <a:effectLst/>
-                <a:latin typeface="Consolas" panose="020B0609020204030204" pitchFamily="49" charset="0"/>
+              <a:rPr lang="en-US" dirty="0">
+                <a:hlinkClick r:id="rId3"/>
               </a:rPr>
               <a:t>https://katiethompson704.github.io/play-with-your-food/</a:t>
             </a:r>
@@ -18860,7 +18856,7 @@
             </a:r>
             <a:r>
               <a:rPr lang="en-US" dirty="0">
-                <a:hlinkClick r:id="rId3"/>
+                <a:hlinkClick r:id="rId4"/>
               </a:rPr>
               <a:t>https://github.com/KatieThompson704/play-with-your-food</a:t>
             </a:r>

--- a/find-my-fruit_project1_HunterKatie.pptx
+++ b/find-my-fruit_project1_HunterKatie.pptx
@@ -18408,20 +18408,39 @@
           <a:lstStyle/>
           <a:p>
             <a:r>
-              <a:rPr lang="en-US" dirty="0"/>
-              <a:t>Identifying server-side APIs</a:t>
+              <a:rPr lang="en-US" sz="2400" b="1" dirty="0"/>
+              <a:t>Identifying </a:t>
+            </a:r>
+            <a:r>
+              <a:rPr lang="en-US" sz="2400" dirty="0"/>
+              <a:t>relevant server-side APIs</a:t>
             </a:r>
           </a:p>
           <a:p>
-            <a:r>
-              <a:rPr lang="en-US" dirty="0"/>
-              <a:t>Using client-side storage</a:t>
-            </a:r>
+            <a:endParaRPr lang="en-US" sz="2400" dirty="0"/>
           </a:p>
           <a:p>
             <a:r>
-              <a:rPr lang="en-US" dirty="0"/>
-              <a:t>Overcoming multiple CORS issues</a:t>
+              <a:rPr lang="en-US" sz="2400" b="1" dirty="0"/>
+              <a:t>Error Handling </a:t>
+            </a:r>
+            <a:r>
+              <a:rPr lang="en-US" sz="2400" dirty="0"/>
+              <a:t>– invalid search terms </a:t>
+            </a:r>
+            <a:endParaRPr lang="en-US" sz="2400" b="1" dirty="0"/>
+          </a:p>
+          <a:p>
+            <a:endParaRPr lang="en-US" sz="2400" b="1" dirty="0"/>
+          </a:p>
+          <a:p>
+            <a:r>
+              <a:rPr lang="en-US" sz="2400" b="1" dirty="0"/>
+              <a:t>CORS </a:t>
+            </a:r>
+            <a:r>
+              <a:rPr lang="en-US" sz="2400" dirty="0"/>
+              <a:t>issues – requesting API access daily</a:t>
             </a:r>
           </a:p>
           <a:p>
@@ -18516,27 +18535,52 @@
           <a:bodyPr/>
           <a:lstStyle/>
           <a:p>
+            <a:endParaRPr lang="en-US" sz="2400" dirty="0"/>
+          </a:p>
+          <a:p>
             <a:r>
-              <a:rPr lang="en-US" dirty="0"/>
-              <a:t>Successfully pulled consistent data from 2 different APIs</a:t>
+              <a:rPr lang="en-US" sz="2400" b="1" dirty="0"/>
+              <a:t>Secondary Search </a:t>
+            </a:r>
+            <a:r>
+              <a:rPr lang="en-US" sz="2400" dirty="0"/>
+              <a:t>functionality via a dropdown</a:t>
+            </a:r>
+            <a:endParaRPr lang="en-US" sz="2400" b="1" dirty="0"/>
+          </a:p>
+          <a:p>
+            <a:endParaRPr lang="en-US" sz="2400" b="1" dirty="0"/>
+          </a:p>
+          <a:p>
+            <a:r>
+              <a:rPr lang="en-US" sz="2400" b="1" dirty="0"/>
+              <a:t>Nutrition Label </a:t>
+            </a:r>
+            <a:r>
+              <a:rPr lang="en-US" sz="2400" dirty="0"/>
+              <a:t>data &amp; design</a:t>
             </a:r>
           </a:p>
           <a:p>
+            <a:endParaRPr lang="en-US" sz="2400" dirty="0"/>
+          </a:p>
+          <a:p>
             <a:r>
-              <a:rPr lang="en-US" dirty="0"/>
-              <a:t>Created a responsive design using a new CSS framework (MUI)</a:t>
+              <a:rPr lang="en-US" sz="2400" b="1" dirty="0"/>
+              <a:t>Flagging </a:t>
+            </a:r>
+            <a:r>
+              <a:rPr lang="en-US" sz="2400" dirty="0"/>
+              <a:t>invalid searches via modals</a:t>
             </a:r>
           </a:p>
           <a:p>
-            <a:r>
-              <a:rPr lang="en-US" dirty="0"/>
-              <a:t>Designing a Nutrition Label  </a:t>
-            </a:r>
+            <a:endParaRPr lang="en-US" sz="2400" b="1" dirty="0"/>
           </a:p>
           <a:p>
-            <a:endParaRPr lang="en-US" dirty="0"/>
-          </a:p>
-          <a:p>
+            <a:pPr marL="114300" indent="0">
+              <a:buNone/>
+            </a:pPr>
             <a:endParaRPr lang="en-US" dirty="0"/>
           </a:p>
         </p:txBody>
@@ -18699,8 +18743,29 @@
               </a:spcAft>
             </a:pPr>
             <a:r>
+              <a:rPr lang="en-US" b="1" dirty="0"/>
+              <a:t>STYLING</a:t>
+            </a:r>
+            <a:br>
+              <a:rPr lang="en-US" b="1" dirty="0"/>
+            </a:br>
+            <a:r>
               <a:rPr lang="en-US" dirty="0"/>
-              <a:t>Adding in an image or pulling more information from the API</a:t>
+              <a:t>Utilize a more advanced CSS Framework</a:t>
+            </a:r>
+            <a:br>
+              <a:rPr lang="en-US" dirty="0"/>
+            </a:br>
+            <a:r>
+              <a:rPr lang="en-US" dirty="0"/>
+              <a:t>Add product images </a:t>
+            </a:r>
+            <a:br>
+              <a:rPr lang="en-US" dirty="0"/>
+            </a:br>
+            <a:r>
+              <a:rPr lang="en-US" dirty="0"/>
+              <a:t>Incorporate icons into dropdown</a:t>
             </a:r>
           </a:p>
           <a:p>
@@ -18710,19 +18775,29 @@
               </a:spcAft>
             </a:pPr>
             <a:r>
+              <a:rPr lang="en-US" b="1" dirty="0"/>
+              <a:t>FUNCTIONALITY</a:t>
+            </a:r>
+            <a:br>
               <a:rPr lang="en-US" dirty="0"/>
-              <a:t>Create a for loop to populate info for more than 1 fruit at a time and create a user-friendly design to showcase this information</a:t>
-            </a:r>
-          </a:p>
-          <a:p>
-            <a:pPr marL="285750" indent="-285750">
-              <a:spcAft>
-                <a:spcPts val="1600"/>
-              </a:spcAft>
-            </a:pPr>
+            </a:br>
             <a:r>
               <a:rPr lang="en-US" dirty="0"/>
-              <a:t>Find a way to pull information from the second API faster.</a:t>
+              <a:t>Display multiple fruit products with each search</a:t>
+            </a:r>
+            <a:br>
+              <a:rPr lang="en-US" dirty="0"/>
+            </a:br>
+            <a:r>
+              <a:rPr lang="en-US" dirty="0"/>
+              <a:t>Store user product preferences (i.e. local storage to generate a shopping list)</a:t>
+            </a:r>
+            <a:br>
+              <a:rPr lang="en-US" dirty="0"/>
+            </a:br>
+            <a:r>
+              <a:rPr lang="en-US" dirty="0"/>
+              <a:t>Provide additional facts or fruit information using additional APIs</a:t>
             </a:r>
           </a:p>
           <a:p>
